--- a/煉淨我.pptx
+++ b/煉淨我.pptx
@@ -105,6 +105,22 @@
       </a:defRPr>
     </a:lvl9pPr>
   </p:defaultTextStyle>
+  <p:extLst>
+    <p:ext uri="{EFAFB233-063F-42B5-8137-9DF3F51BA10A}">
+      <p15:sldGuideLst xmlns:p15="http://schemas.microsoft.com/office/powerpoint/2012/main">
+        <p15:guide id="1" orient="horz" pos="1620">
+          <p15:clr>
+            <a:srgbClr val="A4A3A4"/>
+          </p15:clr>
+        </p15:guide>
+        <p15:guide id="2" pos="2880">
+          <p15:clr>
+            <a:srgbClr val="A4A3A4"/>
+          </p15:clr>
+        </p15:guide>
+      </p15:sldGuideLst>
+    </p:ext>
+  </p:extLst>
 </p:presentation>
 </file>
 
@@ -289,7 +305,7 @@
           <a:p>
             <a:fld id="{8A6876BC-19DD-415E-9649-E06FC9DEE66C}" type="datetimeFigureOut">
               <a:rPr lang="en-US" smtClean="0"/>
-              <a:t>10/5/2019</a:t>
+              <a:t>1/11/2020</a:t>
             </a:fld>
             <a:endParaRPr lang="en-US"/>
           </a:p>
@@ -454,7 +470,7 @@
           <a:p>
             <a:fld id="{8A6876BC-19DD-415E-9649-E06FC9DEE66C}" type="datetimeFigureOut">
               <a:rPr lang="en-US" smtClean="0"/>
-              <a:t>10/5/2019</a:t>
+              <a:t>1/11/2020</a:t>
             </a:fld>
             <a:endParaRPr lang="en-US"/>
           </a:p>
@@ -629,7 +645,7 @@
           <a:p>
             <a:fld id="{8A6876BC-19DD-415E-9649-E06FC9DEE66C}" type="datetimeFigureOut">
               <a:rPr lang="en-US" smtClean="0"/>
-              <a:t>10/5/2019</a:t>
+              <a:t>1/11/2020</a:t>
             </a:fld>
             <a:endParaRPr lang="en-US"/>
           </a:p>
@@ -794,7 +810,7 @@
           <a:p>
             <a:fld id="{8A6876BC-19DD-415E-9649-E06FC9DEE66C}" type="datetimeFigureOut">
               <a:rPr lang="en-US" smtClean="0"/>
-              <a:t>10/5/2019</a:t>
+              <a:t>1/11/2020</a:t>
             </a:fld>
             <a:endParaRPr lang="en-US"/>
           </a:p>
@@ -1035,7 +1051,7 @@
           <a:p>
             <a:fld id="{8A6876BC-19DD-415E-9649-E06FC9DEE66C}" type="datetimeFigureOut">
               <a:rPr lang="en-US" smtClean="0"/>
-              <a:t>10/5/2019</a:t>
+              <a:t>1/11/2020</a:t>
             </a:fld>
             <a:endParaRPr lang="en-US"/>
           </a:p>
@@ -1318,7 +1334,7 @@
           <a:p>
             <a:fld id="{8A6876BC-19DD-415E-9649-E06FC9DEE66C}" type="datetimeFigureOut">
               <a:rPr lang="en-US" smtClean="0"/>
-              <a:t>10/5/2019</a:t>
+              <a:t>1/11/2020</a:t>
             </a:fld>
             <a:endParaRPr lang="en-US"/>
           </a:p>
@@ -1735,7 +1751,7 @@
           <a:p>
             <a:fld id="{8A6876BC-19DD-415E-9649-E06FC9DEE66C}" type="datetimeFigureOut">
               <a:rPr lang="en-US" smtClean="0"/>
-              <a:t>10/5/2019</a:t>
+              <a:t>1/11/2020</a:t>
             </a:fld>
             <a:endParaRPr lang="en-US"/>
           </a:p>
@@ -1848,7 +1864,7 @@
           <a:p>
             <a:fld id="{8A6876BC-19DD-415E-9649-E06FC9DEE66C}" type="datetimeFigureOut">
               <a:rPr lang="en-US" smtClean="0"/>
-              <a:t>10/5/2019</a:t>
+              <a:t>1/11/2020</a:t>
             </a:fld>
             <a:endParaRPr lang="en-US"/>
           </a:p>
@@ -1938,7 +1954,7 @@
           <a:p>
             <a:fld id="{8A6876BC-19DD-415E-9649-E06FC9DEE66C}" type="datetimeFigureOut">
               <a:rPr lang="en-US" smtClean="0"/>
-              <a:t>10/5/2019</a:t>
+              <a:t>1/11/2020</a:t>
             </a:fld>
             <a:endParaRPr lang="en-US"/>
           </a:p>
@@ -2210,7 +2226,7 @@
           <a:p>
             <a:fld id="{8A6876BC-19DD-415E-9649-E06FC9DEE66C}" type="datetimeFigureOut">
               <a:rPr lang="en-US" smtClean="0"/>
-              <a:t>10/5/2019</a:t>
+              <a:t>1/11/2020</a:t>
             </a:fld>
             <a:endParaRPr lang="en-US"/>
           </a:p>
@@ -2462,7 +2478,7 @@
           <a:p>
             <a:fld id="{8A6876BC-19DD-415E-9649-E06FC9DEE66C}" type="datetimeFigureOut">
               <a:rPr lang="en-US" smtClean="0"/>
-              <a:t>10/5/2019</a:t>
+              <a:t>1/11/2020</a:t>
             </a:fld>
             <a:endParaRPr lang="en-US"/>
           </a:p>
@@ -2675,7 +2691,7 @@
           <a:p>
             <a:fld id="{8A6876BC-19DD-415E-9649-E06FC9DEE66C}" type="datetimeFigureOut">
               <a:rPr lang="en-US" smtClean="0"/>
-              <a:t>10/5/2019</a:t>
+              <a:t>1/11/2020</a:t>
             </a:fld>
             <a:endParaRPr lang="en-US"/>
           </a:p>
@@ -3134,14 +3150,14 @@
                 <a:latin typeface="Microsoft JhengHei" pitchFamily="34" charset="-120"/>
                 <a:ea typeface="Microsoft JhengHei" pitchFamily="34" charset="-120"/>
               </a:rPr>
-              <a:t>我更像</a:t>
-            </a:r>
-            <a:r>
-              <a:rPr lang="zh-TW" altLang="en-US" sz="4800" b="1" dirty="0" smtClean="0">
+              <a:t>我更</a:t>
+            </a:r>
+            <a:r>
+              <a:rPr lang="zh-TW" altLang="en-US" sz="4800" b="1" dirty="0">
                 <a:latin typeface="Microsoft JhengHei" pitchFamily="34" charset="-120"/>
                 <a:ea typeface="Microsoft JhengHei" pitchFamily="34" charset="-120"/>
               </a:rPr>
-              <a:t>你</a:t>
+              <a:t>像祢</a:t>
             </a:r>
             <a:endParaRPr lang="en-US" altLang="zh-TW" sz="4800" b="1" dirty="0" smtClean="0">
               <a:latin typeface="Microsoft JhengHei" pitchFamily="34" charset="-120"/>
@@ -3192,14 +3208,14 @@
                 <a:latin typeface="Microsoft JhengHei" pitchFamily="34" charset="-120"/>
                 <a:ea typeface="Microsoft JhengHei" pitchFamily="34" charset="-120"/>
               </a:rPr>
-              <a:t>我更愛</a:t>
-            </a:r>
-            <a:r>
-              <a:rPr lang="zh-TW" altLang="en-US" sz="4800" b="1" dirty="0" smtClean="0">
+              <a:t>我更</a:t>
+            </a:r>
+            <a:r>
+              <a:rPr lang="zh-TW" altLang="en-US" sz="4800" b="1" dirty="0">
                 <a:latin typeface="Microsoft JhengHei" pitchFamily="34" charset="-120"/>
                 <a:ea typeface="Microsoft JhengHei" pitchFamily="34" charset="-120"/>
               </a:rPr>
-              <a:t>你</a:t>
+              <a:t>愛祢</a:t>
             </a:r>
             <a:endParaRPr lang="en-US" altLang="zh-TW" sz="4800" b="1" dirty="0" smtClean="0">
               <a:latin typeface="Microsoft JhengHei" pitchFamily="34" charset="-120"/>
@@ -3222,7 +3238,14 @@
                 <a:latin typeface="Microsoft JhengHei" pitchFamily="34" charset="-120"/>
                 <a:ea typeface="Microsoft JhengHei" pitchFamily="34" charset="-120"/>
               </a:rPr>
-              <a:t>有夢想和驕傲都放在你腳</a:t>
+              <a:t>有夢想和驕傲都放</a:t>
+            </a:r>
+            <a:r>
+              <a:rPr lang="zh-TW" altLang="en-US" sz="4800" b="1" dirty="0">
+                <a:latin typeface="Microsoft JhengHei" pitchFamily="34" charset="-120"/>
+                <a:ea typeface="Microsoft JhengHei" pitchFamily="34" charset="-120"/>
+              </a:rPr>
+              <a:t>在祢腳</a:t>
             </a:r>
             <a:r>
               <a:rPr lang="zh-TW" altLang="en-US" sz="4800" b="1" dirty="0" smtClean="0">
@@ -3352,158 +3375,88 @@
                 <a:latin typeface="Microsoft JhengHei" pitchFamily="34" charset="-120"/>
                 <a:ea typeface="Microsoft JhengHei" pitchFamily="34" charset="-120"/>
               </a:rPr>
-              <a:t>獻上生</a:t>
+              <a:t>獻上生命</a:t>
+            </a:r>
+            <a:r>
+              <a:rPr lang="en-US" altLang="zh-TW" sz="4800" b="1" dirty="0">
+                <a:latin typeface="Microsoft JhengHei" pitchFamily="34" charset="-120"/>
+                <a:ea typeface="Microsoft JhengHei" pitchFamily="34" charset="-120"/>
+              </a:rPr>
+              <a:t>  </a:t>
             </a:r>
             <a:r>
               <a:rPr lang="zh-TW" altLang="en-US" sz="4800" b="1" dirty="0">
                 <a:latin typeface="Microsoft JhengHei" pitchFamily="34" charset="-120"/>
                 <a:ea typeface="Microsoft JhengHei" pitchFamily="34" charset="-120"/>
               </a:rPr>
-              <a:t>命</a:t>
+              <a:t>完全</a:t>
+            </a:r>
+            <a:r>
+              <a:rPr lang="zh-TW" altLang="en-US" sz="4800" b="1" dirty="0">
+                <a:latin typeface="Microsoft JhengHei" pitchFamily="34" charset="-120"/>
+                <a:ea typeface="Microsoft JhengHei" pitchFamily="34" charset="-120"/>
+              </a:rPr>
+              <a:t>為祢用</a:t>
+            </a:r>
+            <a:endParaRPr lang="en-US" altLang="zh-TW" sz="4800" b="1" dirty="0">
+              <a:latin typeface="Microsoft JhengHei" pitchFamily="34" charset="-120"/>
+              <a:ea typeface="Microsoft JhengHei" pitchFamily="34" charset="-120"/>
+            </a:endParaRPr>
+          </a:p>
+          <a:p>
+            <a:pPr marL="0" indent="0" algn="ctr">
+              <a:buNone/>
+            </a:pPr>
+            <a:r>
+              <a:rPr lang="zh-TW" altLang="en-US" sz="4800" b="1" dirty="0">
+                <a:latin typeface="Microsoft JhengHei" pitchFamily="34" charset="-120"/>
+                <a:ea typeface="Microsoft JhengHei" pitchFamily="34" charset="-120"/>
+              </a:rPr>
+              <a:t>放下自己</a:t>
             </a:r>
             <a:r>
               <a:rPr lang="en-US" altLang="zh-TW" sz="4800" b="1" dirty="0">
                 <a:latin typeface="Microsoft JhengHei" pitchFamily="34" charset="-120"/>
                 <a:ea typeface="Microsoft JhengHei" pitchFamily="34" charset="-120"/>
               </a:rPr>
-              <a:t> </a:t>
+              <a:t>  </a:t>
+            </a:r>
+            <a:r>
+              <a:rPr lang="zh-TW" altLang="en-US" sz="4800" b="1" dirty="0">
+                <a:latin typeface="Microsoft JhengHei" pitchFamily="34" charset="-120"/>
+                <a:ea typeface="Microsoft JhengHei" pitchFamily="34" charset="-120"/>
+              </a:rPr>
+              <a:t>願祢得</a:t>
+            </a:r>
+            <a:r>
+              <a:rPr lang="zh-TW" altLang="en-US" sz="4800" b="1" dirty="0">
+                <a:latin typeface="Microsoft JhengHei" pitchFamily="34" charset="-120"/>
+                <a:ea typeface="Microsoft JhengHei" pitchFamily="34" charset="-120"/>
+              </a:rPr>
+              <a:t>榮耀</a:t>
+            </a:r>
+            <a:endParaRPr lang="en-US" altLang="zh-TW" sz="4800" b="1" dirty="0">
+              <a:latin typeface="Microsoft JhengHei" pitchFamily="34" charset="-120"/>
+              <a:ea typeface="Microsoft JhengHei" pitchFamily="34" charset="-120"/>
+            </a:endParaRPr>
+          </a:p>
+          <a:p>
+            <a:pPr marL="0" indent="0" algn="ctr">
+              <a:buNone/>
+            </a:pPr>
+            <a:r>
+              <a:rPr lang="zh-TW" altLang="en-US" sz="4800" b="1" dirty="0">
+                <a:latin typeface="Microsoft JhengHei" pitchFamily="34" charset="-120"/>
+                <a:ea typeface="Microsoft JhengHei" pitchFamily="34" charset="-120"/>
+              </a:rPr>
+              <a:t>全心跟隨</a:t>
             </a:r>
             <a:r>
               <a:rPr lang="en-US" altLang="zh-TW" sz="4800" b="1" dirty="0">
                 <a:latin typeface="Microsoft JhengHei" pitchFamily="34" charset="-120"/>
                 <a:ea typeface="Microsoft JhengHei" pitchFamily="34" charset="-120"/>
               </a:rPr>
-              <a:t> </a:t>
-            </a:r>
-            <a:r>
-              <a:rPr lang="zh-TW" altLang="en-US" sz="4800" b="1" dirty="0">
-                <a:latin typeface="Microsoft JhengHei" pitchFamily="34" charset="-120"/>
-                <a:ea typeface="Microsoft JhengHei" pitchFamily="34" charset="-120"/>
-              </a:rPr>
-              <a:t>完</a:t>
-            </a:r>
-            <a:r>
-              <a:rPr lang="zh-TW" altLang="en-US" sz="4800" b="1" dirty="0">
-                <a:latin typeface="Microsoft JhengHei" pitchFamily="34" charset="-120"/>
-                <a:ea typeface="Microsoft JhengHei" pitchFamily="34" charset="-120"/>
-              </a:rPr>
-              <a:t>全為你</a:t>
-            </a:r>
-            <a:r>
-              <a:rPr lang="zh-TW" altLang="en-US" sz="4800" b="1" dirty="0">
-                <a:latin typeface="Microsoft JhengHei" pitchFamily="34" charset="-120"/>
-                <a:ea typeface="Microsoft JhengHei" pitchFamily="34" charset="-120"/>
-              </a:rPr>
-              <a:t>用</a:t>
-            </a:r>
-            <a:endParaRPr lang="en-US" altLang="zh-TW" sz="4800" b="1" dirty="0">
-              <a:latin typeface="Microsoft JhengHei" pitchFamily="34" charset="-120"/>
-              <a:ea typeface="Microsoft JhengHei" pitchFamily="34" charset="-120"/>
-            </a:endParaRPr>
-          </a:p>
-          <a:p>
-            <a:pPr marL="0" indent="0" algn="ctr">
-              <a:buNone/>
-            </a:pPr>
-            <a:r>
-              <a:rPr lang="zh-TW" altLang="en-US" sz="4800" b="1" dirty="0">
-                <a:latin typeface="Microsoft JhengHei" pitchFamily="34" charset="-120"/>
-                <a:ea typeface="Microsoft JhengHei" pitchFamily="34" charset="-120"/>
-              </a:rPr>
-              <a:t>放</a:t>
-            </a:r>
-            <a:r>
-              <a:rPr lang="zh-TW" altLang="en-US" sz="4800" b="1" dirty="0">
-                <a:latin typeface="Microsoft JhengHei" pitchFamily="34" charset="-120"/>
-                <a:ea typeface="Microsoft JhengHei" pitchFamily="34" charset="-120"/>
-              </a:rPr>
-              <a:t>下自</a:t>
-            </a:r>
-            <a:r>
-              <a:rPr lang="zh-TW" altLang="en-US" sz="4800" b="1" dirty="0">
-                <a:latin typeface="Microsoft JhengHei" pitchFamily="34" charset="-120"/>
-                <a:ea typeface="Microsoft JhengHei" pitchFamily="34" charset="-120"/>
-              </a:rPr>
-              <a:t>己</a:t>
-            </a:r>
-            <a:r>
-              <a:rPr lang="en-US" altLang="zh-TW" sz="4800" b="1" dirty="0">
-                <a:latin typeface="Microsoft JhengHei" pitchFamily="34" charset="-120"/>
-                <a:ea typeface="Microsoft JhengHei" pitchFamily="34" charset="-120"/>
-              </a:rPr>
-              <a:t> </a:t>
-            </a:r>
-            <a:r>
-              <a:rPr lang="en-US" altLang="zh-TW" sz="4800" b="1" dirty="0">
-                <a:latin typeface="Microsoft JhengHei" pitchFamily="34" charset="-120"/>
-                <a:ea typeface="Microsoft JhengHei" pitchFamily="34" charset="-120"/>
-              </a:rPr>
-              <a:t> </a:t>
-            </a:r>
-            <a:r>
-              <a:rPr lang="zh-TW" altLang="en-US" sz="4800" b="1" dirty="0">
-                <a:latin typeface="Microsoft JhengHei" pitchFamily="34" charset="-120"/>
-                <a:ea typeface="Microsoft JhengHei" pitchFamily="34" charset="-120"/>
-              </a:rPr>
-              <a:t>願</a:t>
-            </a:r>
-            <a:r>
-              <a:rPr lang="zh-TW" altLang="en-US" sz="4800" b="1" dirty="0">
-                <a:latin typeface="Microsoft JhengHei" pitchFamily="34" charset="-120"/>
-                <a:ea typeface="Microsoft JhengHei" pitchFamily="34" charset="-120"/>
-              </a:rPr>
-              <a:t>你得榮</a:t>
-            </a:r>
-            <a:r>
-              <a:rPr lang="zh-TW" altLang="en-US" sz="4800" b="1" dirty="0">
-                <a:latin typeface="Microsoft JhengHei" pitchFamily="34" charset="-120"/>
-                <a:ea typeface="Microsoft JhengHei" pitchFamily="34" charset="-120"/>
-              </a:rPr>
-              <a:t>耀</a:t>
-            </a:r>
-            <a:endParaRPr lang="en-US" altLang="zh-TW" sz="4800" b="1" dirty="0">
-              <a:latin typeface="Microsoft JhengHei" pitchFamily="34" charset="-120"/>
-              <a:ea typeface="Microsoft JhengHei" pitchFamily="34" charset="-120"/>
-            </a:endParaRPr>
-          </a:p>
-          <a:p>
-            <a:pPr marL="0" indent="0" algn="ctr">
-              <a:buNone/>
-            </a:pPr>
-            <a:r>
-              <a:rPr lang="zh-TW" altLang="en-US" sz="4800" b="1" dirty="0">
-                <a:latin typeface="Microsoft JhengHei" pitchFamily="34" charset="-120"/>
-                <a:ea typeface="Microsoft JhengHei" pitchFamily="34" charset="-120"/>
-              </a:rPr>
-              <a:t>全</a:t>
-            </a:r>
-            <a:r>
-              <a:rPr lang="zh-TW" altLang="en-US" sz="4800" b="1" dirty="0">
-                <a:latin typeface="Microsoft JhengHei" pitchFamily="34" charset="-120"/>
-                <a:ea typeface="Microsoft JhengHei" pitchFamily="34" charset="-120"/>
-              </a:rPr>
-              <a:t>心跟</a:t>
-            </a:r>
-            <a:r>
-              <a:rPr lang="zh-TW" altLang="en-US" sz="4800" b="1" dirty="0">
-                <a:latin typeface="Microsoft JhengHei" pitchFamily="34" charset="-120"/>
-                <a:ea typeface="Microsoft JhengHei" pitchFamily="34" charset="-120"/>
-              </a:rPr>
-              <a:t>隨</a:t>
-            </a:r>
-            <a:r>
-              <a:rPr lang="en-US" altLang="zh-TW" sz="4800" b="1" dirty="0">
-                <a:latin typeface="Microsoft JhengHei" pitchFamily="34" charset="-120"/>
-                <a:ea typeface="Microsoft JhengHei" pitchFamily="34" charset="-120"/>
-              </a:rPr>
-              <a:t> </a:t>
-            </a:r>
-            <a:r>
-              <a:rPr lang="en-US" altLang="zh-TW" sz="4800" b="1" dirty="0">
-                <a:latin typeface="Microsoft JhengHei" pitchFamily="34" charset="-120"/>
-                <a:ea typeface="Microsoft JhengHei" pitchFamily="34" charset="-120"/>
-              </a:rPr>
-              <a:t> </a:t>
+              <a:t>  </a:t>
             </a:r>
             <a:r>
               <a:rPr lang="zh-TW" altLang="en-US" sz="4800" b="1" dirty="0">
@@ -3517,7 +3470,7 @@
                 <a:latin typeface="Microsoft JhengHei" pitchFamily="34" charset="-120"/>
                 <a:ea typeface="Microsoft JhengHei" pitchFamily="34" charset="-120"/>
               </a:rPr>
-              <a:t>出你呼</a:t>
+              <a:t>出祢呼</a:t>
             </a:r>
             <a:r>
               <a:rPr lang="zh-TW" altLang="en-US" sz="4800" b="1" dirty="0">
@@ -3540,14 +3493,14 @@
                 <a:latin typeface="Microsoft JhengHei" pitchFamily="34" charset="-120"/>
                 <a:ea typeface="Microsoft JhengHei" pitchFamily="34" charset="-120"/>
               </a:rPr>
-              <a:t>父</a:t>
+              <a:t>父神我只願</a:t>
             </a:r>
             <a:r>
               <a:rPr lang="zh-TW" altLang="en-US" sz="4800" b="1" dirty="0">
                 <a:latin typeface="Microsoft JhengHei" pitchFamily="34" charset="-120"/>
                 <a:ea typeface="Microsoft JhengHei" pitchFamily="34" charset="-120"/>
               </a:rPr>
-              <a:t>神我只願為你活</a:t>
+              <a:t>為祢活</a:t>
             </a:r>
             <a:endParaRPr lang="en-US" sz="4800" b="1" dirty="0">
               <a:latin typeface="Microsoft JhengHei" pitchFamily="34" charset="-120"/>

--- a/煉淨我.pptx
+++ b/煉淨我.pptx
@@ -305,7 +305,7 @@
           <a:p>
             <a:fld id="{8A6876BC-19DD-415E-9649-E06FC9DEE66C}" type="datetimeFigureOut">
               <a:rPr lang="en-US" smtClean="0"/>
-              <a:t>1/11/2020</a:t>
+              <a:t>7/4/2020</a:t>
             </a:fld>
             <a:endParaRPr lang="en-US"/>
           </a:p>
@@ -470,7 +470,7 @@
           <a:p>
             <a:fld id="{8A6876BC-19DD-415E-9649-E06FC9DEE66C}" type="datetimeFigureOut">
               <a:rPr lang="en-US" smtClean="0"/>
-              <a:t>1/11/2020</a:t>
+              <a:t>7/4/2020</a:t>
             </a:fld>
             <a:endParaRPr lang="en-US"/>
           </a:p>
@@ -645,7 +645,7 @@
           <a:p>
             <a:fld id="{8A6876BC-19DD-415E-9649-E06FC9DEE66C}" type="datetimeFigureOut">
               <a:rPr lang="en-US" smtClean="0"/>
-              <a:t>1/11/2020</a:t>
+              <a:t>7/4/2020</a:t>
             </a:fld>
             <a:endParaRPr lang="en-US"/>
           </a:p>
@@ -810,7 +810,7 @@
           <a:p>
             <a:fld id="{8A6876BC-19DD-415E-9649-E06FC9DEE66C}" type="datetimeFigureOut">
               <a:rPr lang="en-US" smtClean="0"/>
-              <a:t>1/11/2020</a:t>
+              <a:t>7/4/2020</a:t>
             </a:fld>
             <a:endParaRPr lang="en-US"/>
           </a:p>
@@ -1051,7 +1051,7 @@
           <a:p>
             <a:fld id="{8A6876BC-19DD-415E-9649-E06FC9DEE66C}" type="datetimeFigureOut">
               <a:rPr lang="en-US" smtClean="0"/>
-              <a:t>1/11/2020</a:t>
+              <a:t>7/4/2020</a:t>
             </a:fld>
             <a:endParaRPr lang="en-US"/>
           </a:p>
@@ -1334,7 +1334,7 @@
           <a:p>
             <a:fld id="{8A6876BC-19DD-415E-9649-E06FC9DEE66C}" type="datetimeFigureOut">
               <a:rPr lang="en-US" smtClean="0"/>
-              <a:t>1/11/2020</a:t>
+              <a:t>7/4/2020</a:t>
             </a:fld>
             <a:endParaRPr lang="en-US"/>
           </a:p>
@@ -1751,7 +1751,7 @@
           <a:p>
             <a:fld id="{8A6876BC-19DD-415E-9649-E06FC9DEE66C}" type="datetimeFigureOut">
               <a:rPr lang="en-US" smtClean="0"/>
-              <a:t>1/11/2020</a:t>
+              <a:t>7/4/2020</a:t>
             </a:fld>
             <a:endParaRPr lang="en-US"/>
           </a:p>
@@ -1864,7 +1864,7 @@
           <a:p>
             <a:fld id="{8A6876BC-19DD-415E-9649-E06FC9DEE66C}" type="datetimeFigureOut">
               <a:rPr lang="en-US" smtClean="0"/>
-              <a:t>1/11/2020</a:t>
+              <a:t>7/4/2020</a:t>
             </a:fld>
             <a:endParaRPr lang="en-US"/>
           </a:p>
@@ -1954,7 +1954,7 @@
           <a:p>
             <a:fld id="{8A6876BC-19DD-415E-9649-E06FC9DEE66C}" type="datetimeFigureOut">
               <a:rPr lang="en-US" smtClean="0"/>
-              <a:t>1/11/2020</a:t>
+              <a:t>7/4/2020</a:t>
             </a:fld>
             <a:endParaRPr lang="en-US"/>
           </a:p>
@@ -2226,7 +2226,7 @@
           <a:p>
             <a:fld id="{8A6876BC-19DD-415E-9649-E06FC9DEE66C}" type="datetimeFigureOut">
               <a:rPr lang="en-US" smtClean="0"/>
-              <a:t>1/11/2020</a:t>
+              <a:t>7/4/2020</a:t>
             </a:fld>
             <a:endParaRPr lang="en-US"/>
           </a:p>
@@ -2478,7 +2478,7 @@
           <a:p>
             <a:fld id="{8A6876BC-19DD-415E-9649-E06FC9DEE66C}" type="datetimeFigureOut">
               <a:rPr lang="en-US" smtClean="0"/>
-              <a:t>1/11/2020</a:t>
+              <a:t>7/4/2020</a:t>
             </a:fld>
             <a:endParaRPr lang="en-US"/>
           </a:p>
@@ -2691,7 +2691,7 @@
           <a:p>
             <a:fld id="{8A6876BC-19DD-415E-9649-E06FC9DEE66C}" type="datetimeFigureOut">
               <a:rPr lang="en-US" smtClean="0"/>
-              <a:t>1/11/2020</a:t>
+              <a:t>7/4/2020</a:t>
             </a:fld>
             <a:endParaRPr lang="en-US"/>
           </a:p>
@@ -3079,13 +3079,13 @@
           <a:lstStyle/>
           <a:p>
             <a:r>
-              <a:rPr lang="zh-CN" altLang="en-US" sz="4000" b="1" dirty="0" smtClean="0">
+              <a:rPr lang="zh-CN" altLang="en-US" b="1" dirty="0" smtClean="0">
                 <a:latin typeface="Microsoft JhengHei" pitchFamily="34" charset="-120"/>
                 <a:ea typeface="Microsoft JhengHei" pitchFamily="34" charset="-120"/>
               </a:rPr>
               <a:t>煉淨我</a:t>
             </a:r>
-            <a:endParaRPr lang="en-US" sz="4000" b="1" dirty="0">
+            <a:endParaRPr lang="en-US" b="1" dirty="0">
               <a:latin typeface="Microsoft JhengHei" pitchFamily="34" charset="-120"/>
               <a:ea typeface="Microsoft JhengHei" pitchFamily="34" charset="-120"/>
             </a:endParaRPr>
@@ -3150,14 +3150,7 @@
                 <a:latin typeface="Microsoft JhengHei" pitchFamily="34" charset="-120"/>
                 <a:ea typeface="Microsoft JhengHei" pitchFamily="34" charset="-120"/>
               </a:rPr>
-              <a:t>我更</a:t>
-            </a:r>
-            <a:r>
-              <a:rPr lang="zh-TW" altLang="en-US" sz="4800" b="1" dirty="0">
-                <a:latin typeface="Microsoft JhengHei" pitchFamily="34" charset="-120"/>
-                <a:ea typeface="Microsoft JhengHei" pitchFamily="34" charset="-120"/>
-              </a:rPr>
-              <a:t>像祢</a:t>
+              <a:t>我更像祢</a:t>
             </a:r>
             <a:endParaRPr lang="en-US" altLang="zh-TW" sz="4800" b="1" dirty="0" smtClean="0">
               <a:latin typeface="Microsoft JhengHei" pitchFamily="34" charset="-120"/>
@@ -3208,14 +3201,7 @@
                 <a:latin typeface="Microsoft JhengHei" pitchFamily="34" charset="-120"/>
                 <a:ea typeface="Microsoft JhengHei" pitchFamily="34" charset="-120"/>
               </a:rPr>
-              <a:t>我更</a:t>
-            </a:r>
-            <a:r>
-              <a:rPr lang="zh-TW" altLang="en-US" sz="4800" b="1" dirty="0">
-                <a:latin typeface="Microsoft JhengHei" pitchFamily="34" charset="-120"/>
-                <a:ea typeface="Microsoft JhengHei" pitchFamily="34" charset="-120"/>
-              </a:rPr>
-              <a:t>愛祢</a:t>
+              <a:t>我更愛祢</a:t>
             </a:r>
             <a:endParaRPr lang="en-US" altLang="zh-TW" sz="4800" b="1" dirty="0" smtClean="0">
               <a:latin typeface="Microsoft JhengHei" pitchFamily="34" charset="-120"/>
@@ -3238,14 +3224,7 @@
                 <a:latin typeface="Microsoft JhengHei" pitchFamily="34" charset="-120"/>
                 <a:ea typeface="Microsoft JhengHei" pitchFamily="34" charset="-120"/>
               </a:rPr>
-              <a:t>有夢想和驕傲都放</a:t>
-            </a:r>
-            <a:r>
-              <a:rPr lang="zh-TW" altLang="en-US" sz="4800" b="1" dirty="0">
-                <a:latin typeface="Microsoft JhengHei" pitchFamily="34" charset="-120"/>
-                <a:ea typeface="Microsoft JhengHei" pitchFamily="34" charset="-120"/>
-              </a:rPr>
-              <a:t>在祢腳</a:t>
+              <a:t>有夢想和驕傲都放在祢腳</a:t>
             </a:r>
             <a:r>
               <a:rPr lang="zh-TW" altLang="en-US" sz="4800" b="1" dirty="0" smtClean="0">
@@ -3332,13 +3311,13 @@
           <a:lstStyle/>
           <a:p>
             <a:r>
-              <a:rPr lang="zh-CN" altLang="en-US" sz="4000" b="1" dirty="0" smtClean="0">
+              <a:rPr lang="zh-CN" altLang="en-US" b="1" dirty="0">
                 <a:latin typeface="Microsoft JhengHei" pitchFamily="34" charset="-120"/>
                 <a:ea typeface="Microsoft JhengHei" pitchFamily="34" charset="-120"/>
               </a:rPr>
               <a:t>煉淨我</a:t>
             </a:r>
-            <a:endParaRPr lang="en-US" sz="4000" b="1" dirty="0">
+            <a:endParaRPr lang="en-US" b="1" dirty="0">
               <a:latin typeface="Microsoft JhengHei" pitchFamily="34" charset="-120"/>
               <a:ea typeface="Microsoft JhengHei" pitchFamily="34" charset="-120"/>
             </a:endParaRPr>
@@ -3389,14 +3368,7 @@
                 <a:latin typeface="Microsoft JhengHei" pitchFamily="34" charset="-120"/>
                 <a:ea typeface="Microsoft JhengHei" pitchFamily="34" charset="-120"/>
               </a:rPr>
-              <a:t>完全</a:t>
-            </a:r>
-            <a:r>
-              <a:rPr lang="zh-TW" altLang="en-US" sz="4800" b="1" dirty="0">
-                <a:latin typeface="Microsoft JhengHei" pitchFamily="34" charset="-120"/>
-                <a:ea typeface="Microsoft JhengHei" pitchFamily="34" charset="-120"/>
-              </a:rPr>
-              <a:t>為祢用</a:t>
+              <a:t>完全為祢用</a:t>
             </a:r>
             <a:endParaRPr lang="en-US" altLang="zh-TW" sz="4800" b="1" dirty="0">
               <a:latin typeface="Microsoft JhengHei" pitchFamily="34" charset="-120"/>
@@ -3426,14 +3398,7 @@
                 <a:latin typeface="Microsoft JhengHei" pitchFamily="34" charset="-120"/>
                 <a:ea typeface="Microsoft JhengHei" pitchFamily="34" charset="-120"/>
               </a:rPr>
-              <a:t>願祢得</a:t>
-            </a:r>
-            <a:r>
-              <a:rPr lang="zh-TW" altLang="en-US" sz="4800" b="1" dirty="0">
-                <a:latin typeface="Microsoft JhengHei" pitchFamily="34" charset="-120"/>
-                <a:ea typeface="Microsoft JhengHei" pitchFamily="34" charset="-120"/>
-              </a:rPr>
-              <a:t>榮耀</a:t>
+              <a:t>願祢得榮耀</a:t>
             </a:r>
             <a:endParaRPr lang="en-US" altLang="zh-TW" sz="4800" b="1" dirty="0">
               <a:latin typeface="Microsoft JhengHei" pitchFamily="34" charset="-120"/>
@@ -3463,44 +3428,23 @@
                 <a:latin typeface="Microsoft JhengHei" pitchFamily="34" charset="-120"/>
                 <a:ea typeface="Microsoft JhengHei" pitchFamily="34" charset="-120"/>
               </a:rPr>
-              <a:t>活</a:t>
-            </a:r>
+              <a:t>活出祢呼召</a:t>
+            </a:r>
+            <a:endParaRPr lang="en-US" altLang="zh-TW" sz="4800" b="1" dirty="0">
+              <a:latin typeface="Microsoft JhengHei" pitchFamily="34" charset="-120"/>
+              <a:ea typeface="Microsoft JhengHei" pitchFamily="34" charset="-120"/>
+            </a:endParaRPr>
+          </a:p>
+          <a:p>
+            <a:pPr marL="0" indent="0" algn="ctr">
+              <a:buNone/>
+            </a:pPr>
             <a:r>
               <a:rPr lang="zh-TW" altLang="en-US" sz="4800" b="1" dirty="0">
                 <a:latin typeface="Microsoft JhengHei" pitchFamily="34" charset="-120"/>
                 <a:ea typeface="Microsoft JhengHei" pitchFamily="34" charset="-120"/>
               </a:rPr>
-              <a:t>出祢呼</a:t>
-            </a:r>
-            <a:r>
-              <a:rPr lang="zh-TW" altLang="en-US" sz="4800" b="1" dirty="0">
-                <a:latin typeface="Microsoft JhengHei" pitchFamily="34" charset="-120"/>
-                <a:ea typeface="Microsoft JhengHei" pitchFamily="34" charset="-120"/>
-              </a:rPr>
-              <a:t>召</a:t>
-            </a:r>
-            <a:endParaRPr lang="en-US" altLang="zh-TW" sz="4800" b="1" dirty="0">
-              <a:latin typeface="Microsoft JhengHei" pitchFamily="34" charset="-120"/>
-              <a:ea typeface="Microsoft JhengHei" pitchFamily="34" charset="-120"/>
-            </a:endParaRPr>
-          </a:p>
-          <a:p>
-            <a:pPr marL="0" indent="0" algn="ctr">
-              <a:buNone/>
-            </a:pPr>
-            <a:r>
-              <a:rPr lang="zh-TW" altLang="en-US" sz="4800" b="1" dirty="0">
-                <a:latin typeface="Microsoft JhengHei" pitchFamily="34" charset="-120"/>
-                <a:ea typeface="Microsoft JhengHei" pitchFamily="34" charset="-120"/>
-              </a:rPr>
-              <a:t>父神我只願</a:t>
-            </a:r>
-            <a:r>
-              <a:rPr lang="zh-TW" altLang="en-US" sz="4800" b="1" dirty="0">
-                <a:latin typeface="Microsoft JhengHei" pitchFamily="34" charset="-120"/>
-                <a:ea typeface="Microsoft JhengHei" pitchFamily="34" charset="-120"/>
-              </a:rPr>
-              <a:t>為祢活</a:t>
+              <a:t>父神我只願為祢活</a:t>
             </a:r>
             <a:endParaRPr lang="en-US" sz="4800" b="1" dirty="0">
               <a:latin typeface="Microsoft JhengHei" pitchFamily="34" charset="-120"/>
